--- a/figures/speed/speedAcrossTools.pptx
+++ b/figures/speed/speedAcrossTools.pptx
@@ -3426,8 +3426,8 @@
         </p:nvSpPr>
         <p:spPr>
           <a:xfrm>
-            <a:off x="2145183" y="4988951"/>
-            <a:ext cx="2982439" cy="384721"/>
+            <a:off x="2170350" y="4913450"/>
+            <a:ext cx="2982439" cy="353943"/>
           </a:xfrm>
           <a:prstGeom prst="rect">
             <a:avLst/>
@@ -3442,7 +3442,7 @@
           <a:p>
             <a:pPr algn="ctr"/>
             <a:r>
-              <a:rPr lang="en-US" sz="1900" dirty="0"/>
+              <a:rPr lang="en-US" sz="1700" dirty="0"/>
               <a:t>DNA target size (bases)</a:t>
             </a:r>
           </a:p>
@@ -3492,8 +3492,8 @@
         </p:nvSpPr>
         <p:spPr>
           <a:xfrm rot="16200000">
-            <a:off x="-1298859" y="1873817"/>
-            <a:ext cx="2982439" cy="384721"/>
+            <a:off x="-1198191" y="1889206"/>
+            <a:ext cx="2982439" cy="353943"/>
           </a:xfrm>
           <a:prstGeom prst="rect">
             <a:avLst/>
@@ -3508,7 +3508,7 @@
           <a:p>
             <a:pPr algn="ctr"/>
             <a:r>
-              <a:rPr lang="en-US" sz="1900" dirty="0"/>
+              <a:rPr lang="en-US" sz="1700" dirty="0"/>
               <a:t>Computing time (seconds)</a:t>
             </a:r>
           </a:p>
